--- a/SSN_Trabajo_Final_1638106.pptx
+++ b/SSN_Trabajo_Final_1638106.pptx
@@ -135,14 +135,6 @@
     </p:ext>
   </p:extLst>
 </p:presentation>
-</file>
-
-<file path=ppt/revisionInfo.xml><?xml version="1.0" encoding="utf-8"?>
-<p1510:revInfo xmlns:a="http://schemas.openxmlformats.org/drawingml/2006/main" xmlns:r="http://schemas.openxmlformats.org/officeDocument/2006/relationships" xmlns:p1510="http://schemas.microsoft.com/office/powerpoint/2015/10/main">
-  <p1510:revLst>
-    <p1510:client id="{0549317C-CF6C-46CC-BFC8-5A90C80CBA35}" v="547" dt="2025-07-03T21:33:03.344"/>
-  </p1510:revLst>
-</p1510:revInfo>
 </file>
 
 <file path=ppt/slideLayouts/slideLayout1.xml><?xml version="1.0" encoding="utf-8"?>
@@ -9852,8 +9844,8 @@
         </p:nvGrpSpPr>
         <p:grpSpPr>
           <a:xfrm>
-            <a:off x="838200" y="4044214"/>
-            <a:ext cx="8604183" cy="396506"/>
+            <a:off x="838201" y="4044214"/>
+            <a:ext cx="2165350" cy="396506"/>
             <a:chOff x="838200" y="4044214"/>
             <a:chExt cx="8712486" cy="396506"/>
           </a:xfrm>
@@ -9964,6 +9956,73 @@
           </p:txBody>
         </p:sp>
       </p:grpSp>
+      <p:sp>
+        <p:nvSpPr>
+          <p:cNvPr id="9" name="Título 1">
+            <a:extLst>
+              <a:ext uri="{FF2B5EF4-FFF2-40B4-BE49-F238E27FC236}">
+                <a16:creationId xmlns:a16="http://schemas.microsoft.com/office/drawing/2014/main" id="{B61CDDAB-8507-CBE2-34C3-BA267B9431CA}"/>
+              </a:ext>
+            </a:extLst>
+          </p:cNvPr>
+          <p:cNvSpPr txBox="1">
+            <a:spLocks/>
+          </p:cNvSpPr>
+          <p:nvPr/>
+        </p:nvSpPr>
+        <p:spPr>
+          <a:xfrm>
+            <a:off x="838200" y="2766218"/>
+            <a:ext cx="10515600" cy="1325563"/>
+          </a:xfrm>
+          <a:prstGeom prst="rect">
+            <a:avLst/>
+          </a:prstGeom>
+          <a:effectLst>
+            <a:outerShdw blurRad="50800" dist="38100" dir="5400000" algn="t" rotWithShape="0">
+              <a:prstClr val="black">
+                <a:alpha val="40000"/>
+              </a:prstClr>
+            </a:outerShdw>
+          </a:effectLst>
+        </p:spPr>
+        <p:txBody>
+          <a:bodyPr vert="horz" lIns="91440" tIns="45720" rIns="91440" bIns="45720" rtlCol="0" anchor="ctr">
+            <a:noAutofit/>
+          </a:bodyPr>
+          <a:lstStyle>
+            <a:lvl1pPr algn="l" defTabSz="914400" rtl="0" eaLnBrk="1" latinLnBrk="0" hangingPunct="1">
+              <a:lnSpc>
+                <a:spcPct val="90000"/>
+              </a:lnSpc>
+              <a:spcBef>
+                <a:spcPct val="0"/>
+              </a:spcBef>
+              <a:buNone/>
+              <a:defRPr sz="4400" kern="1200">
+                <a:solidFill>
+                  <a:schemeClr val="tx1"/>
+                </a:solidFill>
+                <a:latin typeface="+mj-lt"/>
+                <a:ea typeface="+mj-ea"/>
+                <a:cs typeface="+mj-cs"/>
+              </a:defRPr>
+            </a:lvl1pPr>
+          </a:lstStyle>
+          <a:p>
+            <a:r>
+              <a:rPr lang="es-ES" sz="10000" b="1" dirty="0">
+                <a:solidFill>
+                  <a:schemeClr val="bg1"/>
+                </a:solidFill>
+                <a:latin typeface="Times New Roman" panose="02020603050405020304" pitchFamily="18" charset="0"/>
+                <a:cs typeface="Times New Roman" panose="02020603050405020304" pitchFamily="18" charset="0"/>
+              </a:rPr>
+              <a:t>FIN</a:t>
+            </a:r>
+          </a:p>
+        </p:txBody>
+      </p:sp>
     </p:spTree>
     <p:extLst>
       <p:ext uri="{BB962C8B-B14F-4D97-AF65-F5344CB8AC3E}">
@@ -15294,16 +15353,16 @@
 <file path=customXml/itemProps3.xml><?xml version="1.0" encoding="utf-8"?>
 <ds:datastoreItem xmlns:ds="http://schemas.openxmlformats.org/officeDocument/2006/customXml" ds:itemID="{49200111-18C8-4D08-A7CC-E2013F37E764}">
   <ds:schemaRefs>
-    <ds:schemaRef ds:uri="5694b67b-9365-4aa5-909c-33a1c38dfa37"/>
+    <ds:schemaRef ds:uri="http://schemas.microsoft.com/office/2006/metadata/properties"/>
     <ds:schemaRef ds:uri="http://purl.org/dc/dcmitype/"/>
-    <ds:schemaRef ds:uri="http://purl.org/dc/elements/1.1/"/>
-    <ds:schemaRef ds:uri="http://schemas.microsoft.com/office/2006/documentManagement/types"/>
     <ds:schemaRef ds:uri="http://www.w3.org/XML/1998/namespace"/>
-    <ds:schemaRef ds:uri="http://schemas.microsoft.com/office/2006/metadata/properties"/>
-    <ds:schemaRef ds:uri="http://purl.org/dc/terms/"/>
-    <ds:schemaRef ds:uri="http://schemas.openxmlformats.org/package/2006/metadata/core-properties"/>
     <ds:schemaRef ds:uri="http://schemas.microsoft.com/office/infopath/2007/PartnerControls"/>
     <ds:schemaRef ds:uri="b287ffd9-6cfb-4a49-ab8f-f036bcd2a57b"/>
+    <ds:schemaRef ds:uri="http://purl.org/dc/terms/"/>
+    <ds:schemaRef ds:uri="http://schemas.microsoft.com/office/2006/documentManagement/types"/>
+    <ds:schemaRef ds:uri="http://schemas.openxmlformats.org/package/2006/metadata/core-properties"/>
+    <ds:schemaRef ds:uri="5694b67b-9365-4aa5-909c-33a1c38dfa37"/>
+    <ds:schemaRef ds:uri="http://purl.org/dc/elements/1.1/"/>
   </ds:schemaRefs>
 </ds:datastoreItem>
 </file>